--- a/Documents/이전 작업 내용/[김세윤]음향_적용방식_1121.pptx
+++ b/Documents/이전 작업 내용/[김세윤]음향_적용방식_1121.pptx
@@ -259,7 +259,7 @@
       </p15:sldGuideLst>
     </p:ext>
     <p:ext uri="http://customooxmlschemas.google.com/">
-      <go:slidesCustomData xmlns:go="http://customooxmlschemas.google.com/" xmlns:ahyp="http://schemas.microsoft.com/office/drawing/2018/hyperlinkcolor" xmlns:p15="http://schemas.microsoft.com/office/powerpoint/2012/main" xmlns:p14="http://schemas.microsoft.com/office/powerpoint/2010/main" xmlns:com="http://schemas.openxmlformats.org/drawingml/2006/compatibility" xmlns:pvml="urn:schemas-microsoft-com:office:powerpoint" xmlns:v="urn:schemas-microsoft-com:vml" xmlns:o="urn:schemas-microsoft-com:office:office" xmlns:dgm="http://schemas.openxmlformats.org/drawingml/2006/diagram" xmlns:c="http://schemas.openxmlformats.org/drawingml/2006/chart" xmlns:mv="urn:schemas-microsoft-com:mac:vml" xmlns:mc="http://schemas.openxmlformats.org/markup-compatibility/2006" xmlns="" r:id="rId16" roundtripDataSignature="AMtx7mhKmedLHE+j2ZCv6+rLSlM+PU20Vg=="/>
+      <go:slidesCustomData xmlns="" xmlns:mc="http://schemas.openxmlformats.org/markup-compatibility/2006" xmlns:mv="urn:schemas-microsoft-com:mac:vml" xmlns:c="http://schemas.openxmlformats.org/drawingml/2006/chart" xmlns:dgm="http://schemas.openxmlformats.org/drawingml/2006/diagram" xmlns:o="urn:schemas-microsoft-com:office:office" xmlns:v="urn:schemas-microsoft-com:vml" xmlns:pvml="urn:schemas-microsoft-com:office:powerpoint" xmlns:com="http://schemas.openxmlformats.org/drawingml/2006/compatibility" xmlns:p14="http://schemas.microsoft.com/office/powerpoint/2010/main" xmlns:p15="http://schemas.microsoft.com/office/powerpoint/2012/main" xmlns:ahyp="http://schemas.microsoft.com/office/drawing/2018/hyperlinkcolor" xmlns:go="http://customooxmlschemas.google.com/" r:id="rId16" roundtripDataSignature="AMtx7mhKmedLHE+j2ZCv6+rLSlM+PU20Vg=="/>
     </p:ext>
   </p:extLst>
 </p:presentation>
@@ -13817,7 +13817,7 @@
         <p:spPr>
           <a:xfrm>
             <a:off x="342280" y="800303"/>
-            <a:ext cx="8903320" cy="646290"/>
+            <a:ext cx="8903320" cy="1200288"/>
           </a:xfrm>
           <a:prstGeom prst="rect">
             <a:avLst/>
@@ -13900,31 +13900,7 @@
                 <a:cs typeface="Malgun Gothic"/>
                 <a:sym typeface="Malgun Gothic"/>
               </a:rPr>
-              <a:t>마왕과 몬스터의 사망의 경우 각자의 테이블의 </a:t>
-            </a:r>
-            <a:r>
-              <a:rPr lang="ko-KR" altLang="en-US" sz="1200" dirty="0" err="1">
-                <a:solidFill>
-                  <a:schemeClr val="dk1"/>
-                </a:solidFill>
-                <a:latin typeface="Malgun Gothic"/>
-                <a:ea typeface="Malgun Gothic"/>
-                <a:cs typeface="Malgun Gothic"/>
-                <a:sym typeface="Malgun Gothic"/>
-              </a:rPr>
-              <a:t>사망음향</a:t>
-            </a:r>
-            <a:r>
-              <a:rPr lang="ko-KR" altLang="en-US" sz="1200" dirty="0">
-                <a:solidFill>
-                  <a:schemeClr val="dk1"/>
-                </a:solidFill>
-                <a:latin typeface="Malgun Gothic"/>
-                <a:ea typeface="Malgun Gothic"/>
-                <a:cs typeface="Malgun Gothic"/>
-                <a:sym typeface="Malgun Gothic"/>
-              </a:rPr>
-              <a:t> 출력에서 데이터를 가져와 플레이 한다</a:t>
+              <a:t>마왕과 몬스터의 사망의 경우 각자의 테이블의 사망 음향 출력에서 데이터를 가져와 플레이 한다</a:t>
             </a:r>
             <a:r>
               <a:rPr lang="en-US" altLang="ko-KR" sz="1200" dirty="0">
@@ -13937,6 +13913,161 @@
                 <a:sym typeface="Malgun Gothic"/>
               </a:rPr>
               <a:t>. </a:t>
+            </a:r>
+          </a:p>
+          <a:p>
+            <a:pPr marL="171450" marR="0" lvl="0" indent="-171450" algn="l" rtl="0">
+              <a:lnSpc>
+                <a:spcPct val="150000"/>
+              </a:lnSpc>
+              <a:spcBef>
+                <a:spcPts val="0"/>
+              </a:spcBef>
+              <a:spcAft>
+                <a:spcPts val="0"/>
+              </a:spcAft>
+              <a:buClr>
+                <a:schemeClr val="dk1"/>
+              </a:buClr>
+              <a:buSzPts val="1200"/>
+              <a:buFont typeface="Arial"/>
+              <a:buChar char="•"/>
+            </a:pPr>
+            <a:r>
+              <a:rPr lang="ko-KR" altLang="en-US" sz="1200" dirty="0">
+                <a:solidFill>
+                  <a:schemeClr val="dk1"/>
+                </a:solidFill>
+                <a:latin typeface="Malgun Gothic"/>
+                <a:ea typeface="Malgun Gothic"/>
+                <a:cs typeface="Malgun Gothic"/>
+                <a:sym typeface="Malgun Gothic"/>
+              </a:rPr>
+              <a:t>몬스터는 별도의 이동 음향을 가지지 않는다 </a:t>
+            </a:r>
+            <a:endParaRPr lang="en-US" altLang="ko-KR" sz="1200" dirty="0">
+              <a:solidFill>
+                <a:schemeClr val="dk1"/>
+              </a:solidFill>
+              <a:latin typeface="Malgun Gothic"/>
+              <a:ea typeface="Malgun Gothic"/>
+              <a:cs typeface="Malgun Gothic"/>
+              <a:sym typeface="Malgun Gothic"/>
+            </a:endParaRPr>
+          </a:p>
+          <a:p>
+            <a:pPr marL="171450" marR="0" lvl="0" indent="-171450" algn="l" rtl="0">
+              <a:lnSpc>
+                <a:spcPct val="150000"/>
+              </a:lnSpc>
+              <a:spcBef>
+                <a:spcPts val="0"/>
+              </a:spcBef>
+              <a:spcAft>
+                <a:spcPts val="0"/>
+              </a:spcAft>
+              <a:buClr>
+                <a:schemeClr val="dk1"/>
+              </a:buClr>
+              <a:buSzPts val="1200"/>
+              <a:buFont typeface="Arial"/>
+              <a:buChar char="•"/>
+            </a:pPr>
+            <a:r>
+              <a:rPr lang="ko-KR" altLang="en-US" sz="1200" dirty="0">
+                <a:solidFill>
+                  <a:schemeClr val="dk1"/>
+                </a:solidFill>
+                <a:latin typeface="Malgun Gothic"/>
+                <a:ea typeface="Malgun Gothic"/>
+                <a:cs typeface="Malgun Gothic"/>
+                <a:sym typeface="Malgun Gothic"/>
+              </a:rPr>
+              <a:t>사망 데이터는 각자의 </a:t>
+            </a:r>
+            <a:r>
+              <a:rPr lang="en-US" altLang="ko-KR" sz="1200" dirty="0">
+                <a:solidFill>
+                  <a:schemeClr val="dk1"/>
+                </a:solidFill>
+                <a:latin typeface="Malgun Gothic"/>
+                <a:ea typeface="Malgun Gothic"/>
+                <a:cs typeface="Malgun Gothic"/>
+                <a:sym typeface="Malgun Gothic"/>
+              </a:rPr>
+              <a:t>Devil</a:t>
+            </a:r>
+            <a:r>
+              <a:rPr lang="ko-KR" altLang="en-US" sz="1200" dirty="0">
+                <a:solidFill>
+                  <a:schemeClr val="dk1"/>
+                </a:solidFill>
+                <a:latin typeface="Malgun Gothic"/>
+                <a:ea typeface="Malgun Gothic"/>
+                <a:cs typeface="Malgun Gothic"/>
+                <a:sym typeface="Malgun Gothic"/>
+              </a:rPr>
+              <a:t>과 </a:t>
+            </a:r>
+            <a:r>
+              <a:rPr lang="en-US" altLang="ko-KR" sz="1200" dirty="0">
+                <a:solidFill>
+                  <a:schemeClr val="dk1"/>
+                </a:solidFill>
+                <a:latin typeface="Malgun Gothic"/>
+                <a:ea typeface="Malgun Gothic"/>
+                <a:cs typeface="Malgun Gothic"/>
+                <a:sym typeface="Malgun Gothic"/>
+              </a:rPr>
+              <a:t>Enemy</a:t>
+            </a:r>
+            <a:r>
+              <a:rPr lang="ko-KR" altLang="en-US" sz="1200" dirty="0">
+                <a:solidFill>
+                  <a:schemeClr val="dk1"/>
+                </a:solidFill>
+                <a:latin typeface="Malgun Gothic"/>
+                <a:ea typeface="Malgun Gothic"/>
+                <a:cs typeface="Malgun Gothic"/>
+                <a:sym typeface="Malgun Gothic"/>
+              </a:rPr>
+              <a:t>의 </a:t>
+            </a:r>
+            <a:r>
+              <a:rPr lang="en-US" altLang="ko-KR" sz="1200" dirty="0" err="1">
+                <a:solidFill>
+                  <a:schemeClr val="dk1"/>
+                </a:solidFill>
+                <a:latin typeface="Malgun Gothic"/>
+                <a:ea typeface="Malgun Gothic"/>
+                <a:cs typeface="Malgun Gothic"/>
+                <a:sym typeface="Malgun Gothic"/>
+              </a:rPr>
+              <a:t>Deathsound</a:t>
+            </a:r>
+            <a:r>
+              <a:rPr lang="ko-KR" altLang="en-US" sz="1200" dirty="0">
+                <a:solidFill>
+                  <a:schemeClr val="dk1"/>
+                </a:solidFill>
+                <a:latin typeface="Malgun Gothic"/>
+                <a:ea typeface="Malgun Gothic"/>
+                <a:cs typeface="Malgun Gothic"/>
+                <a:sym typeface="Malgun Gothic"/>
+              </a:rPr>
+              <a:t>의 음향을 출력한다</a:t>
+            </a:r>
+            <a:r>
+              <a:rPr lang="en-US" altLang="ko-KR" sz="1200">
+                <a:solidFill>
+                  <a:schemeClr val="dk1"/>
+                </a:solidFill>
+                <a:latin typeface="Malgun Gothic"/>
+                <a:ea typeface="Malgun Gothic"/>
+                <a:cs typeface="Malgun Gothic"/>
+                <a:sym typeface="Malgun Gothic"/>
+              </a:rPr>
+              <a:t>.</a:t>
             </a:r>
             <a:endParaRPr lang="ko-KR" altLang="en-US" sz="1200" dirty="0">
               <a:solidFill>
